--- a/Docker (Module 04).pptx
+++ b/Docker (Module 04).pptx
@@ -846,6 +846,30 @@
     </pc:docChg>
   </pc:docChgLst>
   <pc:docChgLst>
+    <pc:chgData name="Savard, Louis" userId="067cba2d-e3a0-4a51-a127-0f899cdb9097" providerId="ADAL" clId="{CD39AAE3-997D-4728-A07E-E26E20912041}"/>
+    <pc:docChg chg="modSld">
+      <pc:chgData name="Savard, Louis" userId="067cba2d-e3a0-4a51-a127-0f899cdb9097" providerId="ADAL" clId="{CD39AAE3-997D-4728-A07E-E26E20912041}" dt="2023-03-12T19:05:38.631" v="0" actId="20577"/>
+      <pc:docMkLst>
+        <pc:docMk/>
+      </pc:docMkLst>
+      <pc:sldChg chg="modSp mod">
+        <pc:chgData name="Savard, Louis" userId="067cba2d-e3a0-4a51-a127-0f899cdb9097" providerId="ADAL" clId="{CD39AAE3-997D-4728-A07E-E26E20912041}" dt="2023-03-12T19:05:38.631" v="0" actId="20577"/>
+        <pc:sldMkLst>
+          <pc:docMk/>
+          <pc:sldMk cId="833031206" sldId="490"/>
+        </pc:sldMkLst>
+        <pc:spChg chg="mod">
+          <ac:chgData name="Savard, Louis" userId="067cba2d-e3a0-4a51-a127-0f899cdb9097" providerId="ADAL" clId="{CD39AAE3-997D-4728-A07E-E26E20912041}" dt="2023-03-12T19:05:38.631" v="0" actId="20577"/>
+          <ac:spMkLst>
+            <pc:docMk/>
+            <pc:sldMk cId="833031206" sldId="490"/>
+            <ac:spMk id="3" creationId="{69893746-1E47-47EB-9AA7-33D855ED91FE}"/>
+          </ac:spMkLst>
+        </pc:spChg>
+      </pc:sldChg>
+    </pc:docChg>
+  </pc:docChgLst>
+  <pc:docChgLst>
     <pc:chgData name="Louis" userId="067cba2d-e3a0-4a51-a127-0f899cdb9097" providerId="ADAL" clId="{385B7CC1-7622-4D78-9E42-485032260035}"/>
     <pc:docChg chg="undo custSel modSld">
       <pc:chgData name="Louis" userId="067cba2d-e3a0-4a51-a127-0f899cdb9097" providerId="ADAL" clId="{385B7CC1-7622-4D78-9E42-485032260035}" dt="2021-04-14T15:23:21.191" v="2" actId="313"/>
@@ -1098,7 +1122,7 @@
           <a:p>
             <a:fld id="{96DFF08F-DC6B-4601-B491-B0F83F6DD2DA}" type="datetimeFigureOut">
               <a:rPr lang="en-US" dirty="0"/>
-              <a:t>1/30/2022</a:t>
+              <a:t>3/12/2023</a:t>
             </a:fld>
             <a:endParaRPr lang="en-US" dirty="0"/>
           </a:p>
@@ -1301,7 +1325,7 @@
           <a:p>
             <a:fld id="{96DFF08F-DC6B-4601-B491-B0F83F6DD2DA}" type="datetimeFigureOut">
               <a:rPr lang="en-US" dirty="0"/>
-              <a:t>1/30/2022</a:t>
+              <a:t>3/12/2023</a:t>
             </a:fld>
             <a:endParaRPr lang="en-US" dirty="0"/>
           </a:p>
@@ -1552,7 +1576,7 @@
           <a:p>
             <a:fld id="{96DFF08F-DC6B-4601-B491-B0F83F6DD2DA}" type="datetimeFigureOut">
               <a:rPr lang="en-US" dirty="0"/>
-              <a:t>1/30/2022</a:t>
+              <a:t>3/12/2023</a:t>
             </a:fld>
             <a:endParaRPr lang="en-US" dirty="0"/>
           </a:p>
@@ -1717,7 +1741,7 @@
           <a:p>
             <a:fld id="{D62CEF3B-A037-46D0-B02C-1428F07E9383}" type="datetimeFigureOut">
               <a:rPr lang="en-US" dirty="0"/>
-              <a:t>1/30/2022</a:t>
+              <a:t>3/12/2023</a:t>
             </a:fld>
             <a:endParaRPr lang="en-US" dirty="0"/>
           </a:p>
@@ -2055,7 +2079,7 @@
           <a:p>
             <a:fld id="{96DFF08F-DC6B-4601-B491-B0F83F6DD2DA}" type="datetimeFigureOut">
               <a:rPr lang="en-US" dirty="0"/>
-              <a:t>1/30/2022</a:t>
+              <a:t>3/12/2023</a:t>
             </a:fld>
             <a:endParaRPr lang="en-US" dirty="0"/>
           </a:p>
@@ -2325,7 +2349,7 @@
           <a:p>
             <a:fld id="{96DFF08F-DC6B-4601-B491-B0F83F6DD2DA}" type="datetimeFigureOut">
               <a:rPr lang="en-US" dirty="0"/>
-              <a:t>1/30/2022</a:t>
+              <a:t>3/12/2023</a:t>
             </a:fld>
             <a:endParaRPr lang="en-US" dirty="0"/>
           </a:p>
@@ -2699,7 +2723,7 @@
           <a:p>
             <a:fld id="{96DFF08F-DC6B-4601-B491-B0F83F6DD2DA}" type="datetimeFigureOut">
               <a:rPr lang="en-US" dirty="0"/>
-              <a:t>1/30/2022</a:t>
+              <a:t>3/12/2023</a:t>
             </a:fld>
             <a:endParaRPr lang="en-US" dirty="0"/>
           </a:p>
@@ -2812,7 +2836,7 @@
           <a:p>
             <a:fld id="{96DFF08F-DC6B-4601-B491-B0F83F6DD2DA}" type="datetimeFigureOut">
               <a:rPr lang="en-US" dirty="0"/>
-              <a:t>1/30/2022</a:t>
+              <a:t>3/12/2023</a:t>
             </a:fld>
             <a:endParaRPr lang="en-US" dirty="0"/>
           </a:p>
@@ -2979,7 +3003,7 @@
             <a:fld id="{96DFF08F-DC6B-4601-B491-B0F83F6DD2DA}" type="datetimeFigureOut">
               <a:rPr lang="en-US" dirty="0"/>
               <a:pPr/>
-              <a:t>1/30/2022</a:t>
+              <a:t>3/12/2023</a:t>
             </a:fld>
             <a:endParaRPr lang="en-US" dirty="0"/>
           </a:p>
@@ -3330,7 +3354,7 @@
             <a:fld id="{96DFF08F-DC6B-4601-B491-B0F83F6DD2DA}" type="datetimeFigureOut">
               <a:rPr lang="en-US" dirty="0"/>
               <a:pPr/>
-              <a:t>1/30/2022</a:t>
+              <a:t>3/12/2023</a:t>
             </a:fld>
             <a:endParaRPr lang="en-US" dirty="0"/>
           </a:p>
@@ -3703,7 +3727,7 @@
           <a:p>
             <a:fld id="{96DFF08F-DC6B-4601-B491-B0F83F6DD2DA}" type="datetimeFigureOut">
               <a:rPr lang="en-US" dirty="0"/>
-              <a:t>1/30/2022</a:t>
+              <a:t>3/12/2023</a:t>
             </a:fld>
             <a:endParaRPr lang="en-US" dirty="0"/>
           </a:p>
@@ -3986,7 +4010,7 @@
             <a:fld id="{96DFF08F-DC6B-4601-B491-B0F83F6DD2DA}" type="datetimeFigureOut">
               <a:rPr lang="en-US" dirty="0"/>
               <a:pPr/>
-              <a:t>1/30/2022</a:t>
+              <a:t>3/12/2023</a:t>
             </a:fld>
             <a:endParaRPr lang="en-US" dirty="0"/>
           </a:p>
@@ -25993,6 +26017,16 @@
               <a:t> </a:t>
             </a:r>
             <a:r>
+              <a:rPr lang="fr-CA" b="1" dirty="0">
+                <a:solidFill>
+                  <a:srgbClr val="FF0000"/>
+                </a:solidFill>
+                <a:ea typeface="+mn-lt"/>
+                <a:cs typeface="+mn-lt"/>
+              </a:rPr>
+              <a:t>docker </a:t>
+            </a:r>
+            <a:r>
               <a:rPr lang="fr-CA" b="1" dirty="0" err="1">
                 <a:solidFill>
                   <a:srgbClr val="FF0000"/>
@@ -26000,7 +26034,7 @@
                 <a:ea typeface="+mn-lt"/>
                 <a:cs typeface="+mn-lt"/>
               </a:rPr>
-              <a:t>dockerexec</a:t>
+              <a:t>exec</a:t>
             </a:r>
             <a:r>
               <a:rPr lang="fr-CA" b="1" dirty="0">
@@ -36545,15 +36579,6 @@
 </file>
 
 <file path=customXml/item1.xml><?xml version="1.0" encoding="utf-8"?>
-<?mso-contentType ?>
-<FormTemplates xmlns="http://schemas.microsoft.com/sharepoint/v3/contenttype/forms">
-  <Display>DocumentLibraryForm</Display>
-  <Edit>DocumentLibraryForm</Edit>
-  <New>DocumentLibraryForm</New>
-</FormTemplates>
-</file>
-
-<file path=customXml/item2.xml><?xml version="1.0" encoding="utf-8"?>
 <p:properties xmlns:p="http://schemas.microsoft.com/office/2006/metadata/properties" xmlns:xsi="http://www.w3.org/2001/XMLSchema-instance" xmlns:pc="http://schemas.microsoft.com/office/infopath/2007/PartnerControls">
   <documentManagement>
     <TeamsChannelId xmlns="8f9e9439-8a5c-4c88-b7b7-235a3e0c4515" xsi:nil="true"/>
@@ -36604,7 +36629,7 @@
 </p:properties>
 </file>
 
-<file path=customXml/item3.xml><?xml version="1.0" encoding="utf-8"?>
+<file path=customXml/item2.xml><?xml version="1.0" encoding="utf-8"?>
 <ct:contentTypeSchema xmlns:ct="http://schemas.microsoft.com/office/2006/metadata/contentType" xmlns:ma="http://schemas.microsoft.com/office/2006/metadata/properties/metaAttributes" ct:_="" ma:_="" ma:contentTypeName="Document" ma:contentTypeID="0x010100935C3F082C799B4BB9711D9D87B385FB" ma:contentTypeVersion="32" ma:contentTypeDescription="Crée un document." ma:contentTypeScope="" ma:versionID="935da4d714ee02575c5530a9e37590fe">
   <xsd:schema xmlns:xsd="http://www.w3.org/2001/XMLSchema" xmlns:xs="http://www.w3.org/2001/XMLSchema" xmlns:p="http://schemas.microsoft.com/office/2006/metadata/properties" xmlns:ns3="e8e703b5-9e0e-4f23-a727-3ae07197c617" xmlns:ns4="8f9e9439-8a5c-4c88-b7b7-235a3e0c4515" targetNamespace="http://schemas.microsoft.com/office/2006/metadata/properties" ma:root="true" ma:fieldsID="52403f5eead9e72883a0f3d90df2b17d" ns3:_="" ns4:_="">
     <xsd:import namespace="e8e703b5-9e0e-4f23-a727-3ae07197c617"/>
@@ -37009,15 +37034,16 @@
 </ct:contentTypeSchema>
 </file>
 
-<file path=customXml/itemProps1.xml><?xml version="1.0" encoding="utf-8"?>
-<ds:datastoreItem xmlns:ds="http://schemas.openxmlformats.org/officeDocument/2006/customXml" ds:itemID="{89723B51-5AC6-42B3-A352-C44197D5F135}">
-  <ds:schemaRefs>
-    <ds:schemaRef ds:uri="http://schemas.microsoft.com/sharepoint/v3/contenttype/forms"/>
-  </ds:schemaRefs>
-</ds:datastoreItem>
+<file path=customXml/item3.xml><?xml version="1.0" encoding="utf-8"?>
+<?mso-contentType ?>
+<FormTemplates xmlns="http://schemas.microsoft.com/sharepoint/v3/contenttype/forms">
+  <Display>DocumentLibraryForm</Display>
+  <Edit>DocumentLibraryForm</Edit>
+  <New>DocumentLibraryForm</New>
+</FormTemplates>
 </file>
 
-<file path=customXml/itemProps2.xml><?xml version="1.0" encoding="utf-8"?>
+<file path=customXml/itemProps1.xml><?xml version="1.0" encoding="utf-8"?>
 <ds:datastoreItem xmlns:ds="http://schemas.openxmlformats.org/officeDocument/2006/customXml" ds:itemID="{51DA3321-672E-48DD-A833-FF548BD88FED}">
   <ds:schemaRefs>
     <ds:schemaRef ds:uri="http://schemas.microsoft.com/office/2006/metadata/properties"/>
@@ -37027,7 +37053,7 @@
 </ds:datastoreItem>
 </file>
 
-<file path=customXml/itemProps3.xml><?xml version="1.0" encoding="utf-8"?>
+<file path=customXml/itemProps2.xml><?xml version="1.0" encoding="utf-8"?>
 <ds:datastoreItem xmlns:ds="http://schemas.openxmlformats.org/officeDocument/2006/customXml" ds:itemID="{2161B2EE-5C67-466E-ABAB-0117BF4A3CB3}">
   <ds:schemaRefs>
     <ds:schemaRef ds:uri="http://schemas.microsoft.com/office/2006/metadata/contentType"/>
@@ -37044,4 +37070,12 @@
     <ds:schemaRef ds:uri="http://schemas.microsoft.com/internal/obd"/>
   </ds:schemaRefs>
 </ds:datastoreItem>
+</file>
+
+<file path=customXml/itemProps3.xml><?xml version="1.0" encoding="utf-8"?>
+<ds:datastoreItem xmlns:ds="http://schemas.openxmlformats.org/officeDocument/2006/customXml" ds:itemID="{89723B51-5AC6-42B3-A352-C44197D5F135}">
+  <ds:schemaRefs>
+    <ds:schemaRef ds:uri="http://schemas.microsoft.com/sharepoint/v3/contenttype/forms"/>
+  </ds:schemaRefs>
+</ds:datastoreItem>
 </file>